--- a/FinalPresentation/FinalPresentation.pptx
+++ b/FinalPresentation/FinalPresentation.pptx
@@ -309,7 +309,7 @@
           <a:p>
             <a:fld id="{046A9EE6-7C69-3544-ABFB-DC1449BF5A7A}" type="datetimeFigureOut">
               <a:rPr lang="en-US" smtClean="0"/>
-              <a:t>5/14/12</a:t>
+              <a:t>5/15/12</a:t>
             </a:fld>
             <a:endParaRPr lang="en-US"/>
           </a:p>
@@ -474,7 +474,7 @@
           <a:p>
             <a:fld id="{046A9EE6-7C69-3544-ABFB-DC1449BF5A7A}" type="datetimeFigureOut">
               <a:rPr lang="en-US" smtClean="0"/>
-              <a:t>5/14/12</a:t>
+              <a:t>5/15/12</a:t>
             </a:fld>
             <a:endParaRPr lang="en-US"/>
           </a:p>
@@ -649,7 +649,7 @@
           <a:p>
             <a:fld id="{046A9EE6-7C69-3544-ABFB-DC1449BF5A7A}" type="datetimeFigureOut">
               <a:rPr lang="en-US" smtClean="0"/>
-              <a:t>5/14/12</a:t>
+              <a:t>5/15/12</a:t>
             </a:fld>
             <a:endParaRPr lang="en-US"/>
           </a:p>
@@ -814,7 +814,7 @@
           <a:p>
             <a:fld id="{046A9EE6-7C69-3544-ABFB-DC1449BF5A7A}" type="datetimeFigureOut">
               <a:rPr lang="en-US" smtClean="0"/>
-              <a:t>5/14/12</a:t>
+              <a:t>5/15/12</a:t>
             </a:fld>
             <a:endParaRPr lang="en-US"/>
           </a:p>
@@ -1055,7 +1055,7 @@
           <a:p>
             <a:fld id="{046A9EE6-7C69-3544-ABFB-DC1449BF5A7A}" type="datetimeFigureOut">
               <a:rPr lang="en-US" smtClean="0"/>
-              <a:t>5/14/12</a:t>
+              <a:t>5/15/12</a:t>
             </a:fld>
             <a:endParaRPr lang="en-US"/>
           </a:p>
@@ -1338,7 +1338,7 @@
           <a:p>
             <a:fld id="{046A9EE6-7C69-3544-ABFB-DC1449BF5A7A}" type="datetimeFigureOut">
               <a:rPr lang="en-US" smtClean="0"/>
-              <a:t>5/14/12</a:t>
+              <a:t>5/15/12</a:t>
             </a:fld>
             <a:endParaRPr lang="en-US"/>
           </a:p>
@@ -1767,7 +1767,7 @@
           <a:p>
             <a:fld id="{046A9EE6-7C69-3544-ABFB-DC1449BF5A7A}" type="datetimeFigureOut">
               <a:rPr lang="en-US" smtClean="0"/>
-              <a:t>5/14/12</a:t>
+              <a:t>5/15/12</a:t>
             </a:fld>
             <a:endParaRPr lang="en-US"/>
           </a:p>
@@ -1880,7 +1880,7 @@
           <a:p>
             <a:fld id="{046A9EE6-7C69-3544-ABFB-DC1449BF5A7A}" type="datetimeFigureOut">
               <a:rPr lang="en-US" smtClean="0"/>
-              <a:t>5/14/12</a:t>
+              <a:t>5/15/12</a:t>
             </a:fld>
             <a:endParaRPr lang="en-US"/>
           </a:p>
@@ -1970,7 +1970,7 @@
           <a:p>
             <a:fld id="{046A9EE6-7C69-3544-ABFB-DC1449BF5A7A}" type="datetimeFigureOut">
               <a:rPr lang="en-US" smtClean="0"/>
-              <a:t>5/14/12</a:t>
+              <a:t>5/15/12</a:t>
             </a:fld>
             <a:endParaRPr lang="en-US"/>
           </a:p>
@@ -2159,7 +2159,7 @@
           <a:p>
             <a:fld id="{046A9EE6-7C69-3544-ABFB-DC1449BF5A7A}" type="datetimeFigureOut">
               <a:rPr lang="en-US" smtClean="0"/>
-              <a:t>5/14/12</a:t>
+              <a:t>5/15/12</a:t>
             </a:fld>
             <a:endParaRPr lang="en-US"/>
           </a:p>
@@ -2477,7 +2477,7 @@
           <a:p>
             <a:fld id="{046A9EE6-7C69-3544-ABFB-DC1449BF5A7A}" type="datetimeFigureOut">
               <a:rPr lang="en-US" smtClean="0"/>
-              <a:t>5/14/12</a:t>
+              <a:t>5/15/12</a:t>
             </a:fld>
             <a:endParaRPr lang="en-US"/>
           </a:p>
@@ -2856,7 +2856,7 @@
           <a:p>
             <a:fld id="{046A9EE6-7C69-3544-ABFB-DC1449BF5A7A}" type="datetimeFigureOut">
               <a:rPr lang="en-US" smtClean="0"/>
-              <a:t>5/14/12</a:t>
+              <a:t>5/15/12</a:t>
             </a:fld>
             <a:endParaRPr lang="en-US"/>
           </a:p>
@@ -3414,6 +3414,10 @@
           <a:bodyPr/>
           <a:lstStyle/>
           <a:p>
+            <a:pPr>
+              <a:buFont typeface="Wingdings" charset="2"/>
+              <a:buChar char="ü"/>
+            </a:pPr>
             <a:r>
               <a:rPr lang="en-US" dirty="0" smtClean="0"/>
               <a:t>Be </a:t>
@@ -3432,6 +3436,10 @@
             </a:r>
           </a:p>
           <a:p>
+            <a:pPr>
+              <a:buFont typeface="Wingdings" charset="2"/>
+              <a:buChar char="ü"/>
+            </a:pPr>
             <a:r>
               <a:rPr lang="en-US" dirty="0"/>
               <a:t>Function as all roles described in </a:t>
@@ -3450,12 +3458,20 @@
             </a:r>
           </a:p>
           <a:p>
+            <a:pPr>
+              <a:buFont typeface="Wingdings" charset="2"/>
+              <a:buChar char="ü"/>
+            </a:pPr>
             <a:r>
               <a:rPr lang="en-US" dirty="0"/>
               <a:t>Propagate values through the network of nodes, and allow those values to be retrieved</a:t>
             </a:r>
           </a:p>
           <a:p>
+            <a:pPr>
+              <a:buFont typeface="Wingdings" charset="2"/>
+              <a:buChar char="ü"/>
+            </a:pPr>
             <a:r>
               <a:rPr lang="en-US" dirty="0"/>
               <a:t>Provide some visualization into the system, for verifying functionality and watching value </a:t>
@@ -3467,6 +3483,10 @@
             <a:endParaRPr lang="en-US" dirty="0"/>
           </a:p>
           <a:p>
+            <a:pPr>
+              <a:buFont typeface="Wingdings" charset="2"/>
+              <a:buChar char="ü"/>
+            </a:pPr>
             <a:r>
               <a:rPr lang="en-US" dirty="0"/>
               <a:t>Be fully failure-resistant and scalable as described by </a:t>
@@ -3902,6 +3922,14 @@
           </a:p>
           <a:p>
             <a:pPr lvl="1"/>
+            <a:r>
+              <a:rPr lang="en-US" dirty="0" smtClean="0"/>
+              <a:t>Ruby made rapid </a:t>
+            </a:r>
+            <a:r>
+              <a:rPr lang="en-US" smtClean="0"/>
+              <a:t>development easy</a:t>
+            </a:r>
             <a:endParaRPr lang="en-US" dirty="0" smtClean="0"/>
           </a:p>
         </p:txBody>
